--- a/SwRebellionEditor/swr-25th-anniv-patch.pptx
+++ b/SwRebellionEditor/swr-25th-anniv-patch.pptx
@@ -260,7 +260,7 @@
           <a:p>
             <a:fld id="{92FCFB53-3C4F-4D81-A8C1-A108D130D14A}" type="datetimeFigureOut">
               <a:rPr lang="fr-FR" smtClean="0"/>
-              <a:t>09/05/2024</a:t>
+              <a:t>08/01/2025</a:t>
             </a:fld>
             <a:endParaRPr lang="fr-FR"/>
           </a:p>
@@ -458,7 +458,7 @@
           <a:p>
             <a:fld id="{92FCFB53-3C4F-4D81-A8C1-A108D130D14A}" type="datetimeFigureOut">
               <a:rPr lang="fr-FR" smtClean="0"/>
-              <a:t>09/05/2024</a:t>
+              <a:t>08/01/2025</a:t>
             </a:fld>
             <a:endParaRPr lang="fr-FR"/>
           </a:p>
@@ -666,7 +666,7 @@
           <a:p>
             <a:fld id="{92FCFB53-3C4F-4D81-A8C1-A108D130D14A}" type="datetimeFigureOut">
               <a:rPr lang="fr-FR" smtClean="0"/>
-              <a:t>09/05/2024</a:t>
+              <a:t>08/01/2025</a:t>
             </a:fld>
             <a:endParaRPr lang="fr-FR"/>
           </a:p>
@@ -864,7 +864,7 @@
           <a:p>
             <a:fld id="{92FCFB53-3C4F-4D81-A8C1-A108D130D14A}" type="datetimeFigureOut">
               <a:rPr lang="fr-FR" smtClean="0"/>
-              <a:t>09/05/2024</a:t>
+              <a:t>08/01/2025</a:t>
             </a:fld>
             <a:endParaRPr lang="fr-FR"/>
           </a:p>
@@ -1139,7 +1139,7 @@
           <a:p>
             <a:fld id="{92FCFB53-3C4F-4D81-A8C1-A108D130D14A}" type="datetimeFigureOut">
               <a:rPr lang="fr-FR" smtClean="0"/>
-              <a:t>09/05/2024</a:t>
+              <a:t>08/01/2025</a:t>
             </a:fld>
             <a:endParaRPr lang="fr-FR"/>
           </a:p>
@@ -1404,7 +1404,7 @@
           <a:p>
             <a:fld id="{92FCFB53-3C4F-4D81-A8C1-A108D130D14A}" type="datetimeFigureOut">
               <a:rPr lang="fr-FR" smtClean="0"/>
-              <a:t>09/05/2024</a:t>
+              <a:t>08/01/2025</a:t>
             </a:fld>
             <a:endParaRPr lang="fr-FR"/>
           </a:p>
@@ -1816,7 +1816,7 @@
           <a:p>
             <a:fld id="{92FCFB53-3C4F-4D81-A8C1-A108D130D14A}" type="datetimeFigureOut">
               <a:rPr lang="fr-FR" smtClean="0"/>
-              <a:t>09/05/2024</a:t>
+              <a:t>08/01/2025</a:t>
             </a:fld>
             <a:endParaRPr lang="fr-FR"/>
           </a:p>
@@ -1957,7 +1957,7 @@
           <a:p>
             <a:fld id="{92FCFB53-3C4F-4D81-A8C1-A108D130D14A}" type="datetimeFigureOut">
               <a:rPr lang="fr-FR" smtClean="0"/>
-              <a:t>09/05/2024</a:t>
+              <a:t>08/01/2025</a:t>
             </a:fld>
             <a:endParaRPr lang="fr-FR"/>
           </a:p>
@@ -2070,7 +2070,7 @@
           <a:p>
             <a:fld id="{92FCFB53-3C4F-4D81-A8C1-A108D130D14A}" type="datetimeFigureOut">
               <a:rPr lang="fr-FR" smtClean="0"/>
-              <a:t>09/05/2024</a:t>
+              <a:t>08/01/2025</a:t>
             </a:fld>
             <a:endParaRPr lang="fr-FR"/>
           </a:p>
@@ -2381,7 +2381,7 @@
           <a:p>
             <a:fld id="{92FCFB53-3C4F-4D81-A8C1-A108D130D14A}" type="datetimeFigureOut">
               <a:rPr lang="fr-FR" smtClean="0"/>
-              <a:t>09/05/2024</a:t>
+              <a:t>08/01/2025</a:t>
             </a:fld>
             <a:endParaRPr lang="fr-FR"/>
           </a:p>
@@ -2669,7 +2669,7 @@
           <a:p>
             <a:fld id="{92FCFB53-3C4F-4D81-A8C1-A108D130D14A}" type="datetimeFigureOut">
               <a:rPr lang="fr-FR" smtClean="0"/>
-              <a:t>09/05/2024</a:t>
+              <a:t>08/01/2025</a:t>
             </a:fld>
             <a:endParaRPr lang="fr-FR"/>
           </a:p>
@@ -2910,7 +2910,7 @@
           <a:p>
             <a:fld id="{92FCFB53-3C4F-4D81-A8C1-A108D130D14A}" type="datetimeFigureOut">
               <a:rPr lang="fr-FR" smtClean="0"/>
-              <a:t>09/05/2024</a:t>
+              <a:t>08/01/2025</a:t>
             </a:fld>
             <a:endParaRPr lang="fr-FR"/>
           </a:p>
@@ -3532,7 +3532,7 @@
                 <a:ea typeface="Verdana" panose="020B0604030504040204" pitchFamily="34" charset="0"/>
                 <a:cs typeface="Calibri" panose="020F0502020204030204" pitchFamily="34" charset="0"/>
               </a:rPr>
-              <a:t> 2.82.5 (2024-04-16)</a:t>
+              <a:t> 2.84 (2024-12-22)</a:t>
             </a:r>
           </a:p>
           <a:p>
@@ -4551,7 +4551,7 @@
                 <a:ea typeface="Verdana" panose="020B0604030504040204" pitchFamily="34" charset="0"/>
                 <a:cs typeface="Calibri" panose="020F0502020204030204" pitchFamily="34" charset="0"/>
               </a:rPr>
-              <a:t>15/29 new Capital </a:t>
+              <a:t>29/29 new Capital </a:t>
             </a:r>
             <a:r>
               <a:rPr lang="fr-FR" sz="1100" b="1" err="1">
@@ -4565,84 +4565,7 @@
                 <a:ea typeface="Verdana" panose="020B0604030504040204" pitchFamily="34" charset="0"/>
                 <a:cs typeface="Calibri" panose="020F0502020204030204" pitchFamily="34" charset="0"/>
               </a:rPr>
-              <a:t> 3D </a:t>
-            </a:r>
-            <a:r>
-              <a:rPr lang="fr-FR" sz="1100" b="1" err="1">
-                <a:ea typeface="Verdana" panose="020B0604030504040204" pitchFamily="34" charset="0"/>
-                <a:cs typeface="Calibri" panose="020F0502020204030204" pitchFamily="34" charset="0"/>
-              </a:rPr>
-              <a:t>models</a:t>
-            </a:r>
-            <a:r>
-              <a:rPr lang="fr-FR" sz="1100" b="1">
-                <a:ea typeface="Verdana" panose="020B0604030504040204" pitchFamily="34" charset="0"/>
-                <a:cs typeface="Calibri" panose="020F0502020204030204" pitchFamily="34" charset="0"/>
-              </a:rPr>
-              <a:t>  </a:t>
-            </a:r>
-            <a:r>
-              <a:rPr lang="fr-FR" sz="1100">
-                <a:ea typeface="Verdana" panose="020B0604030504040204" pitchFamily="34" charset="0"/>
-                <a:cs typeface="Calibri" panose="020F0502020204030204" pitchFamily="34" charset="0"/>
-              </a:rPr>
-              <a:t>(+14 </a:t>
-            </a:r>
-            <a:r>
-              <a:rPr lang="fr-FR" sz="1100" err="1">
-                <a:ea typeface="Verdana" panose="020B0604030504040204" pitchFamily="34" charset="0"/>
-                <a:cs typeface="Calibri" panose="020F0502020204030204" pitchFamily="34" charset="0"/>
-              </a:rPr>
-              <a:t>other</a:t>
-            </a:r>
-            <a:r>
-              <a:rPr lang="fr-FR" sz="1100">
-                <a:ea typeface="Verdana" panose="020B0604030504040204" pitchFamily="34" charset="0"/>
-                <a:cs typeface="Calibri" panose="020F0502020204030204" pitchFamily="34" charset="0"/>
-              </a:rPr>
-              <a:t> 3d </a:t>
-            </a:r>
-            <a:r>
-              <a:rPr lang="fr-FR" sz="1100" err="1">
-                <a:ea typeface="Verdana" panose="020B0604030504040204" pitchFamily="34" charset="0"/>
-                <a:cs typeface="Calibri" panose="020F0502020204030204" pitchFamily="34" charset="0"/>
-              </a:rPr>
-              <a:t>models</a:t>
-            </a:r>
-            <a:r>
-              <a:rPr lang="fr-FR" sz="1100">
-                <a:ea typeface="Verdana" panose="020B0604030504040204" pitchFamily="34" charset="0"/>
-                <a:cs typeface="Calibri" panose="020F0502020204030204" pitchFamily="34" charset="0"/>
-              </a:rPr>
-              <a:t> </a:t>
-            </a:r>
-            <a:r>
-              <a:rPr lang="fr-FR" sz="1100" err="1">
-                <a:ea typeface="Verdana" panose="020B0604030504040204" pitchFamily="34" charset="0"/>
-                <a:cs typeface="Calibri" panose="020F0502020204030204" pitchFamily="34" charset="0"/>
-              </a:rPr>
-              <a:t>still</a:t>
-            </a:r>
-            <a:r>
-              <a:rPr lang="fr-FR" sz="1100">
-                <a:ea typeface="Verdana" panose="020B0604030504040204" pitchFamily="34" charset="0"/>
-                <a:cs typeface="Calibri" panose="020F0502020204030204" pitchFamily="34" charset="0"/>
-              </a:rPr>
-              <a:t> to </a:t>
-            </a:r>
-            <a:r>
-              <a:rPr lang="fr-FR" sz="1100" err="1">
-                <a:ea typeface="Verdana" panose="020B0604030504040204" pitchFamily="34" charset="0"/>
-                <a:cs typeface="Calibri" panose="020F0502020204030204" pitchFamily="34" charset="0"/>
-              </a:rPr>
-              <a:t>redo</a:t>
-            </a:r>
-            <a:r>
-              <a:rPr lang="fr-FR" sz="1100">
-                <a:ea typeface="Verdana" panose="020B0604030504040204" pitchFamily="34" charset="0"/>
-                <a:cs typeface="Calibri" panose="020F0502020204030204" pitchFamily="34" charset="0"/>
-              </a:rPr>
-              <a:t>)</a:t>
+              <a:t> 3D models</a:t>
             </a:r>
           </a:p>
           <a:p>
@@ -4751,7 +4674,7 @@
         <p:spPr>
           <a:xfrm>
             <a:off x="6723737" y="1083526"/>
-            <a:ext cx="5038559" cy="5509200"/>
+            <a:ext cx="5038559" cy="2800767"/>
           </a:xfrm>
           <a:prstGeom prst="rect">
             <a:avLst/>
@@ -5710,675 +5633,6 @@
                 <a:cs typeface="Calibri" panose="020F0502020204030204" pitchFamily="34" charset="0"/>
               </a:rPr>
               <a:t>)</a:t>
-            </a:r>
-            <a:endParaRPr lang="fr-FR" sz="1100">
-              <a:ea typeface="Calibri" panose="020F0502020204030204" pitchFamily="34" charset="0"/>
-              <a:cs typeface="Calibri" panose="020F0502020204030204" pitchFamily="34" charset="0"/>
-            </a:endParaRPr>
-          </a:p>
-          <a:p>
-            <a:pPr marL="87313" indent="-87313">
-              <a:buFont typeface="Wingdings" panose="05000000000000000000" pitchFamily="2" charset="2"/>
-              <a:buChar char="§"/>
-            </a:pPr>
-            <a:r>
-              <a:rPr lang="fr-FR" sz="1100" b="1">
-                <a:ea typeface="Calibri" panose="020F0502020204030204" pitchFamily="34" charset="0"/>
-                <a:cs typeface="Calibri" panose="020F0502020204030204" pitchFamily="34" charset="0"/>
-              </a:rPr>
-              <a:t>Capital </a:t>
-            </a:r>
-            <a:r>
-              <a:rPr lang="fr-FR" sz="1100" b="1" err="1">
-                <a:ea typeface="Calibri" panose="020F0502020204030204" pitchFamily="34" charset="0"/>
-                <a:cs typeface="Calibri" panose="020F0502020204030204" pitchFamily="34" charset="0"/>
-              </a:rPr>
-              <a:t>Ships</a:t>
-            </a:r>
-            <a:r>
-              <a:rPr lang="fr-FR" sz="1100" b="1">
-                <a:ea typeface="Calibri" panose="020F0502020204030204" pitchFamily="34" charset="0"/>
-                <a:cs typeface="Calibri" panose="020F0502020204030204" pitchFamily="34" charset="0"/>
-              </a:rPr>
-              <a:t> 3D </a:t>
-            </a:r>
-            <a:r>
-              <a:rPr lang="fr-FR" sz="1100" b="1" err="1">
-                <a:ea typeface="Calibri" panose="020F0502020204030204" pitchFamily="34" charset="0"/>
-                <a:cs typeface="Calibri" panose="020F0502020204030204" pitchFamily="34" charset="0"/>
-              </a:rPr>
-              <a:t>models</a:t>
-            </a:r>
-            <a:endParaRPr lang="fr-FR" sz="1100" b="1">
-              <a:ea typeface="Calibri" panose="020F0502020204030204" pitchFamily="34" charset="0"/>
-              <a:cs typeface="Calibri" panose="020F0502020204030204" pitchFamily="34" charset="0"/>
-            </a:endParaRPr>
-          </a:p>
-          <a:p>
-            <a:pPr marL="361950" lvl="1" indent="-95250">
-              <a:buFont typeface="Wingdings" panose="05000000000000000000" pitchFamily="2" charset="2"/>
-              <a:buChar char="§"/>
-            </a:pPr>
-            <a:r>
-              <a:rPr lang="fr-FR" sz="1100">
-                <a:ea typeface="Calibri" panose="020F0502020204030204" pitchFamily="34" charset="0"/>
-                <a:cs typeface="Calibri" panose="020F0502020204030204" pitchFamily="34" charset="0"/>
-              </a:rPr>
-              <a:t>2024-01-02 </a:t>
-            </a:r>
-            <a:r>
-              <a:rPr lang="fr-FR" sz="1100">
-                <a:solidFill>
-                  <a:srgbClr val="FF0000"/>
-                </a:solidFill>
-                <a:ea typeface="Calibri" panose="020F0502020204030204" pitchFamily="34" charset="0"/>
-                <a:cs typeface="Calibri" panose="020F0502020204030204" pitchFamily="34" charset="0"/>
-              </a:rPr>
-              <a:t>[Alliance] </a:t>
-            </a:r>
-            <a:r>
-              <a:rPr lang="fr-FR" sz="1100">
-                <a:ea typeface="Calibri" panose="020F0502020204030204" pitchFamily="34" charset="0"/>
-                <a:cs typeface="Calibri" panose="020F0502020204030204" pitchFamily="34" charset="0"/>
-              </a:rPr>
-              <a:t>Action 6 Transport Bulk </a:t>
-            </a:r>
-            <a:r>
-              <a:rPr lang="fr-FR" sz="1100" err="1">
-                <a:ea typeface="Calibri" panose="020F0502020204030204" pitchFamily="34" charset="0"/>
-                <a:cs typeface="Calibri" panose="020F0502020204030204" pitchFamily="34" charset="0"/>
-              </a:rPr>
-              <a:t>Freighter</a:t>
-            </a:r>
-            <a:endParaRPr lang="fr-FR" sz="1100">
-              <a:ea typeface="Calibri" panose="020F0502020204030204" pitchFamily="34" charset="0"/>
-              <a:cs typeface="Calibri" panose="020F0502020204030204" pitchFamily="34" charset="0"/>
-            </a:endParaRPr>
-          </a:p>
-          <a:p>
-            <a:pPr marL="361950" lvl="1" indent="-95250">
-              <a:buFont typeface="Wingdings" panose="05000000000000000000" pitchFamily="2" charset="2"/>
-              <a:buChar char="§"/>
-            </a:pPr>
-            <a:r>
-              <a:rPr lang="fr-FR" sz="1100">
-                <a:ea typeface="Calibri" panose="020F0502020204030204" pitchFamily="34" charset="0"/>
-                <a:cs typeface="Calibri" panose="020F0502020204030204" pitchFamily="34" charset="0"/>
-              </a:rPr>
-              <a:t>2024-01-02 </a:t>
-            </a:r>
-            <a:r>
-              <a:rPr lang="fr-FR" sz="1100">
-                <a:solidFill>
-                  <a:schemeClr val="accent6">
-                    <a:lumMod val="75000"/>
-                  </a:schemeClr>
-                </a:solidFill>
-                <a:ea typeface="Calibri" panose="020F0502020204030204" pitchFamily="34" charset="0"/>
-                <a:cs typeface="Calibri" panose="020F0502020204030204" pitchFamily="34" charset="0"/>
-              </a:rPr>
-              <a:t>[Empire] </a:t>
-            </a:r>
-            <a:r>
-              <a:rPr lang="fr-FR" sz="1100" err="1">
-                <a:ea typeface="Calibri" panose="020F0502020204030204" pitchFamily="34" charset="0"/>
-                <a:cs typeface="Calibri" panose="020F0502020204030204" pitchFamily="34" charset="0"/>
-              </a:rPr>
-              <a:t>Executor</a:t>
-            </a:r>
-            <a:r>
-              <a:rPr lang="fr-FR" sz="1100">
-                <a:ea typeface="Calibri" panose="020F0502020204030204" pitchFamily="34" charset="0"/>
-                <a:cs typeface="Calibri" panose="020F0502020204030204" pitchFamily="34" charset="0"/>
-              </a:rPr>
-              <a:t> Super Star Destroyer</a:t>
-            </a:r>
-          </a:p>
-          <a:p>
-            <a:pPr marL="361950" lvl="1" indent="-95250">
-              <a:buFont typeface="Wingdings" panose="05000000000000000000" pitchFamily="2" charset="2"/>
-              <a:buChar char="§"/>
-            </a:pPr>
-            <a:r>
-              <a:rPr lang="fr-FR" sz="1100">
-                <a:ea typeface="Calibri" panose="020F0502020204030204" pitchFamily="34" charset="0"/>
-                <a:cs typeface="Calibri" panose="020F0502020204030204" pitchFamily="34" charset="0"/>
-              </a:rPr>
-              <a:t>2024-01-02 </a:t>
-            </a:r>
-            <a:r>
-              <a:rPr lang="fr-FR" sz="1100">
-                <a:solidFill>
-                  <a:schemeClr val="accent6">
-                    <a:lumMod val="75000"/>
-                  </a:schemeClr>
-                </a:solidFill>
-                <a:ea typeface="Calibri" panose="020F0502020204030204" pitchFamily="34" charset="0"/>
-                <a:cs typeface="Calibri" panose="020F0502020204030204" pitchFamily="34" charset="0"/>
-              </a:rPr>
-              <a:t>[Empire] </a:t>
-            </a:r>
-            <a:r>
-              <a:rPr lang="fr-FR" sz="1100" err="1">
-                <a:ea typeface="Calibri" panose="020F0502020204030204" pitchFamily="34" charset="0"/>
-                <a:cs typeface="Calibri" panose="020F0502020204030204" pitchFamily="34" charset="0"/>
-              </a:rPr>
-              <a:t>Immobilizer</a:t>
-            </a:r>
-            <a:r>
-              <a:rPr lang="fr-FR" sz="1100">
-                <a:ea typeface="Calibri" panose="020F0502020204030204" pitchFamily="34" charset="0"/>
-                <a:cs typeface="Calibri" panose="020F0502020204030204" pitchFamily="34" charset="0"/>
-              </a:rPr>
-              <a:t> 418 Cruiser</a:t>
-            </a:r>
-          </a:p>
-          <a:p>
-            <a:pPr marL="361950" lvl="1" indent="-95250">
-              <a:buFont typeface="Wingdings" panose="05000000000000000000" pitchFamily="2" charset="2"/>
-              <a:buChar char="§"/>
-            </a:pPr>
-            <a:r>
-              <a:rPr lang="fr-FR" sz="1100">
-                <a:ea typeface="Calibri" panose="020F0502020204030204" pitchFamily="34" charset="0"/>
-                <a:cs typeface="Calibri" panose="020F0502020204030204" pitchFamily="34" charset="0"/>
-              </a:rPr>
-              <a:t>2024-01-02 </a:t>
-            </a:r>
-            <a:r>
-              <a:rPr lang="fr-FR" sz="1100">
-                <a:solidFill>
-                  <a:schemeClr val="accent6">
-                    <a:lumMod val="75000"/>
-                  </a:schemeClr>
-                </a:solidFill>
-                <a:ea typeface="Calibri" panose="020F0502020204030204" pitchFamily="34" charset="0"/>
-                <a:cs typeface="Calibri" panose="020F0502020204030204" pitchFamily="34" charset="0"/>
-              </a:rPr>
-              <a:t>[Empire] </a:t>
-            </a:r>
-            <a:r>
-              <a:rPr lang="fr-FR" sz="1100">
-                <a:ea typeface="Calibri" panose="020F0502020204030204" pitchFamily="34" charset="0"/>
-                <a:cs typeface="Calibri" panose="020F0502020204030204" pitchFamily="34" charset="0"/>
-              </a:rPr>
-              <a:t>Imperial Dreadnought Class Heavy Cruiser</a:t>
-            </a:r>
-          </a:p>
-          <a:p>
-            <a:pPr marL="361950" lvl="1" indent="-95250">
-              <a:buFont typeface="Wingdings" panose="05000000000000000000" pitchFamily="2" charset="2"/>
-              <a:buChar char="§"/>
-            </a:pPr>
-            <a:r>
-              <a:rPr lang="fr-FR" sz="1100">
-                <a:ea typeface="Calibri" panose="020F0502020204030204" pitchFamily="34" charset="0"/>
-                <a:cs typeface="Calibri" panose="020F0502020204030204" pitchFamily="34" charset="0"/>
-              </a:rPr>
-              <a:t>2024-01-08 </a:t>
-            </a:r>
-            <a:r>
-              <a:rPr lang="fr-FR" sz="1100">
-                <a:solidFill>
-                  <a:schemeClr val="accent6">
-                    <a:lumMod val="75000"/>
-                  </a:schemeClr>
-                </a:solidFill>
-                <a:ea typeface="Calibri" panose="020F0502020204030204" pitchFamily="34" charset="0"/>
-                <a:cs typeface="Calibri" panose="020F0502020204030204" pitchFamily="34" charset="0"/>
-              </a:rPr>
-              <a:t>[Empire] </a:t>
-            </a:r>
-            <a:r>
-              <a:rPr lang="fr-FR" sz="1100" err="1">
-                <a:ea typeface="Calibri" panose="020F0502020204030204" pitchFamily="34" charset="0"/>
-                <a:cs typeface="Calibri" panose="020F0502020204030204" pitchFamily="34" charset="0"/>
-              </a:rPr>
-              <a:t>Vindicator</a:t>
-            </a:r>
-            <a:r>
-              <a:rPr lang="fr-FR" sz="1100">
-                <a:ea typeface="Calibri" panose="020F0502020204030204" pitchFamily="34" charset="0"/>
-                <a:cs typeface="Calibri" panose="020F0502020204030204" pitchFamily="34" charset="0"/>
-              </a:rPr>
-              <a:t> Heavy Cruiser</a:t>
-            </a:r>
-          </a:p>
-          <a:p>
-            <a:pPr marL="361950" lvl="1" indent="-95250">
-              <a:buFont typeface="Wingdings" panose="05000000000000000000" pitchFamily="2" charset="2"/>
-              <a:buChar char="§"/>
-            </a:pPr>
-            <a:r>
-              <a:rPr lang="fr-FR" sz="1100">
-                <a:ea typeface="Calibri" panose="020F0502020204030204" pitchFamily="34" charset="0"/>
-                <a:cs typeface="Calibri" panose="020F0502020204030204" pitchFamily="34" charset="0"/>
-              </a:rPr>
-              <a:t>2024-01-08 </a:t>
-            </a:r>
-            <a:r>
-              <a:rPr lang="fr-FR" sz="1100">
-                <a:solidFill>
-                  <a:schemeClr val="accent6">
-                    <a:lumMod val="75000"/>
-                  </a:schemeClr>
-                </a:solidFill>
-                <a:ea typeface="Calibri" panose="020F0502020204030204" pitchFamily="34" charset="0"/>
-                <a:cs typeface="Calibri" panose="020F0502020204030204" pitchFamily="34" charset="0"/>
-              </a:rPr>
-              <a:t>[Empire] </a:t>
-            </a:r>
-            <a:r>
-              <a:rPr lang="fr-FR" sz="1100">
-                <a:ea typeface="Calibri" panose="020F0502020204030204" pitchFamily="34" charset="0"/>
-                <a:cs typeface="Calibri" panose="020F0502020204030204" pitchFamily="34" charset="0"/>
-              </a:rPr>
-              <a:t>Victory Class Start </a:t>
-            </a:r>
-            <a:r>
-              <a:rPr lang="fr-FR" sz="1100" err="1">
-                <a:ea typeface="Calibri" panose="020F0502020204030204" pitchFamily="34" charset="0"/>
-                <a:cs typeface="Calibri" panose="020F0502020204030204" pitchFamily="34" charset="0"/>
-              </a:rPr>
-              <a:t>Destroyher</a:t>
-            </a:r>
-            <a:r>
-              <a:rPr lang="fr-FR" sz="1100">
-                <a:ea typeface="Calibri" panose="020F0502020204030204" pitchFamily="34" charset="0"/>
-                <a:cs typeface="Calibri" panose="020F0502020204030204" pitchFamily="34" charset="0"/>
-              </a:rPr>
-              <a:t> Mark 1</a:t>
-            </a:r>
-          </a:p>
-          <a:p>
-            <a:pPr marL="361950" lvl="1" indent="-95250">
-              <a:buFont typeface="Wingdings" panose="05000000000000000000" pitchFamily="2" charset="2"/>
-              <a:buChar char="§"/>
-            </a:pPr>
-            <a:r>
-              <a:rPr lang="fr-FR" sz="1100">
-                <a:ea typeface="Calibri" panose="020F0502020204030204" pitchFamily="34" charset="0"/>
-                <a:cs typeface="Calibri" panose="020F0502020204030204" pitchFamily="34" charset="0"/>
-              </a:rPr>
-              <a:t>2024-01-18 </a:t>
-            </a:r>
-            <a:r>
-              <a:rPr lang="fr-FR" sz="1100">
-                <a:solidFill>
-                  <a:srgbClr val="FF0000"/>
-                </a:solidFill>
-                <a:ea typeface="Calibri" panose="020F0502020204030204" pitchFamily="34" charset="0"/>
-                <a:cs typeface="Calibri" panose="020F0502020204030204" pitchFamily="34" charset="0"/>
-              </a:rPr>
-              <a:t>[Alliance] </a:t>
-            </a:r>
-            <a:r>
-              <a:rPr lang="fr-FR" sz="1100">
-                <a:ea typeface="Calibri" panose="020F0502020204030204" pitchFamily="34" charset="0"/>
-                <a:cs typeface="Calibri" panose="020F0502020204030204" pitchFamily="34" charset="0"/>
-              </a:rPr>
-              <a:t>CR90 </a:t>
-            </a:r>
-            <a:r>
-              <a:rPr lang="fr-FR" sz="1100" err="1">
-                <a:ea typeface="Calibri" panose="020F0502020204030204" pitchFamily="34" charset="0"/>
-                <a:cs typeface="Calibri" panose="020F0502020204030204" pitchFamily="34" charset="0"/>
-              </a:rPr>
-              <a:t>Corellian</a:t>
-            </a:r>
-            <a:r>
-              <a:rPr lang="fr-FR" sz="1100">
-                <a:ea typeface="Calibri" panose="020F0502020204030204" pitchFamily="34" charset="0"/>
-                <a:cs typeface="Calibri" panose="020F0502020204030204" pitchFamily="34" charset="0"/>
-              </a:rPr>
-              <a:t> Corvette</a:t>
-            </a:r>
-          </a:p>
-          <a:p>
-            <a:pPr marL="361950" lvl="1" indent="-95250">
-              <a:buFont typeface="Wingdings" panose="05000000000000000000" pitchFamily="2" charset="2"/>
-              <a:buChar char="§"/>
-            </a:pPr>
-            <a:r>
-              <a:rPr lang="fr-FR" sz="1100">
-                <a:ea typeface="Calibri" panose="020F0502020204030204" pitchFamily="34" charset="0"/>
-                <a:cs typeface="Calibri" panose="020F0502020204030204" pitchFamily="34" charset="0"/>
-              </a:rPr>
-              <a:t>2024-02-11 </a:t>
-            </a:r>
-            <a:r>
-              <a:rPr lang="fr-FR" sz="1100">
-                <a:solidFill>
-                  <a:srgbClr val="FF0000"/>
-                </a:solidFill>
-                <a:ea typeface="Calibri" panose="020F0502020204030204" pitchFamily="34" charset="0"/>
-                <a:cs typeface="Calibri" panose="020F0502020204030204" pitchFamily="34" charset="0"/>
-              </a:rPr>
-              <a:t>[Alliance] </a:t>
-            </a:r>
-            <a:r>
-              <a:rPr lang="fr-FR" sz="1100">
-                <a:ea typeface="Calibri" panose="020F0502020204030204" pitchFamily="34" charset="0"/>
-                <a:cs typeface="Calibri" panose="020F0502020204030204" pitchFamily="34" charset="0"/>
-              </a:rPr>
-              <a:t>MC80 Liberty Type Star Cruiser</a:t>
-            </a:r>
-          </a:p>
-          <a:p>
-            <a:pPr marL="361950" lvl="1" indent="-95250">
-              <a:buFont typeface="Wingdings" panose="05000000000000000000" pitchFamily="2" charset="2"/>
-              <a:buChar char="§"/>
-            </a:pPr>
-            <a:r>
-              <a:rPr lang="fr-FR" sz="1100">
-                <a:ea typeface="Calibri" panose="020F0502020204030204" pitchFamily="34" charset="0"/>
-                <a:cs typeface="Calibri" panose="020F0502020204030204" pitchFamily="34" charset="0"/>
-              </a:rPr>
-              <a:t>2024-02-11 </a:t>
-            </a:r>
-            <a:r>
-              <a:rPr lang="fr-FR" sz="1100">
-                <a:solidFill>
-                  <a:srgbClr val="FF0000"/>
-                </a:solidFill>
-                <a:ea typeface="Calibri" panose="020F0502020204030204" pitchFamily="34" charset="0"/>
-                <a:cs typeface="Calibri" panose="020F0502020204030204" pitchFamily="34" charset="0"/>
-              </a:rPr>
-              <a:t>[Alliance] </a:t>
-            </a:r>
-            <a:r>
-              <a:rPr lang="fr-FR" sz="1100" err="1">
-                <a:ea typeface="Calibri" panose="020F0502020204030204" pitchFamily="34" charset="0"/>
-                <a:cs typeface="Calibri" panose="020F0502020204030204" pitchFamily="34" charset="0"/>
-              </a:rPr>
-              <a:t>Assault</a:t>
-            </a:r>
-            <a:r>
-              <a:rPr lang="fr-FR" sz="1100">
-                <a:ea typeface="Calibri" panose="020F0502020204030204" pitchFamily="34" charset="0"/>
-                <a:cs typeface="Calibri" panose="020F0502020204030204" pitchFamily="34" charset="0"/>
-              </a:rPr>
-              <a:t> </a:t>
-            </a:r>
-            <a:r>
-              <a:rPr lang="fr-FR" sz="1100" err="1">
-                <a:ea typeface="Calibri" panose="020F0502020204030204" pitchFamily="34" charset="0"/>
-                <a:cs typeface="Calibri" panose="020F0502020204030204" pitchFamily="34" charset="0"/>
-              </a:rPr>
-              <a:t>Frigate</a:t>
-            </a:r>
-            <a:r>
-              <a:rPr lang="fr-FR" sz="1100">
-                <a:ea typeface="Calibri" panose="020F0502020204030204" pitchFamily="34" charset="0"/>
-                <a:cs typeface="Calibri" panose="020F0502020204030204" pitchFamily="34" charset="0"/>
-              </a:rPr>
-              <a:t> Mark 1</a:t>
-            </a:r>
-          </a:p>
-          <a:p>
-            <a:pPr marL="361950" lvl="1" indent="-95250">
-              <a:buFont typeface="Wingdings" panose="05000000000000000000" pitchFamily="2" charset="2"/>
-              <a:buChar char="§"/>
-            </a:pPr>
-            <a:r>
-              <a:rPr lang="fr-FR" sz="1100">
-                <a:ea typeface="Calibri" panose="020F0502020204030204" pitchFamily="34" charset="0"/>
-                <a:cs typeface="Calibri" panose="020F0502020204030204" pitchFamily="34" charset="0"/>
-              </a:rPr>
-              <a:t>2024-03-17 </a:t>
-            </a:r>
-            <a:r>
-              <a:rPr lang="fr-FR" sz="1100">
-                <a:solidFill>
-                  <a:srgbClr val="FF0000"/>
-                </a:solidFill>
-                <a:ea typeface="Calibri" panose="020F0502020204030204" pitchFamily="34" charset="0"/>
-                <a:cs typeface="Calibri" panose="020F0502020204030204" pitchFamily="34" charset="0"/>
-              </a:rPr>
-              <a:t>[Alliance] </a:t>
-            </a:r>
-            <a:r>
-              <a:rPr lang="fr-FR" sz="1100">
-                <a:ea typeface="Calibri" panose="020F0502020204030204" pitchFamily="34" charset="0"/>
-                <a:cs typeface="Calibri" panose="020F0502020204030204" pitchFamily="34" charset="0"/>
-              </a:rPr>
-              <a:t>CC-7700 </a:t>
-            </a:r>
-            <a:r>
-              <a:rPr lang="fr-FR" sz="1100" err="1">
-                <a:ea typeface="Calibri" panose="020F0502020204030204" pitchFamily="34" charset="0"/>
-                <a:cs typeface="Calibri" panose="020F0502020204030204" pitchFamily="34" charset="0"/>
-              </a:rPr>
-              <a:t>Frigate</a:t>
-            </a:r>
-            <a:endParaRPr lang="fr-FR" sz="1100">
-              <a:ea typeface="Calibri" panose="020F0502020204030204" pitchFamily="34" charset="0"/>
-              <a:cs typeface="Calibri" panose="020F0502020204030204" pitchFamily="34" charset="0"/>
-            </a:endParaRPr>
-          </a:p>
-          <a:p>
-            <a:pPr marL="361950" lvl="1" indent="-95250">
-              <a:buFont typeface="Wingdings" panose="05000000000000000000" pitchFamily="2" charset="2"/>
-              <a:buChar char="§"/>
-            </a:pPr>
-            <a:r>
-              <a:rPr lang="fr-FR" sz="1100">
-                <a:ea typeface="Calibri" panose="020F0502020204030204" pitchFamily="34" charset="0"/>
-                <a:cs typeface="Calibri" panose="020F0502020204030204" pitchFamily="34" charset="0"/>
-              </a:rPr>
-              <a:t>2024-03-17 </a:t>
-            </a:r>
-            <a:r>
-              <a:rPr lang="fr-FR" sz="1100">
-                <a:solidFill>
-                  <a:srgbClr val="FF0000"/>
-                </a:solidFill>
-                <a:ea typeface="Calibri" panose="020F0502020204030204" pitchFamily="34" charset="0"/>
-                <a:cs typeface="Calibri" panose="020F0502020204030204" pitchFamily="34" charset="0"/>
-              </a:rPr>
-              <a:t>[Alliance] </a:t>
-            </a:r>
-            <a:r>
-              <a:rPr lang="fr-FR" sz="1100">
-                <a:ea typeface="Calibri" panose="020F0502020204030204" pitchFamily="34" charset="0"/>
-                <a:cs typeface="Calibri" panose="020F0502020204030204" pitchFamily="34" charset="0"/>
-              </a:rPr>
-              <a:t>DP20 </a:t>
-            </a:r>
-            <a:r>
-              <a:rPr lang="fr-FR" sz="1100" err="1">
-                <a:ea typeface="Calibri" panose="020F0502020204030204" pitchFamily="34" charset="0"/>
-                <a:cs typeface="Calibri" panose="020F0502020204030204" pitchFamily="34" charset="0"/>
-              </a:rPr>
-              <a:t>Frigate</a:t>
-            </a:r>
-            <a:r>
-              <a:rPr lang="fr-FR" sz="1100">
-                <a:ea typeface="Calibri" panose="020F0502020204030204" pitchFamily="34" charset="0"/>
-                <a:cs typeface="Calibri" panose="020F0502020204030204" pitchFamily="34" charset="0"/>
-              </a:rPr>
-              <a:t> </a:t>
-            </a:r>
-            <a:r>
-              <a:rPr lang="fr-FR" sz="1100" err="1">
-                <a:ea typeface="Calibri" panose="020F0502020204030204" pitchFamily="34" charset="0"/>
-                <a:cs typeface="Calibri" panose="020F0502020204030204" pitchFamily="34" charset="0"/>
-              </a:rPr>
-              <a:t>Correlian</a:t>
-            </a:r>
-            <a:r>
-              <a:rPr lang="fr-FR" sz="1100">
-                <a:ea typeface="Calibri" panose="020F0502020204030204" pitchFamily="34" charset="0"/>
-                <a:cs typeface="Calibri" panose="020F0502020204030204" pitchFamily="34" charset="0"/>
-              </a:rPr>
-              <a:t> </a:t>
-            </a:r>
-            <a:r>
-              <a:rPr lang="fr-FR" sz="1100" err="1">
-                <a:ea typeface="Calibri" panose="020F0502020204030204" pitchFamily="34" charset="0"/>
-                <a:cs typeface="Calibri" panose="020F0502020204030204" pitchFamily="34" charset="0"/>
-              </a:rPr>
-              <a:t>Gunship</a:t>
-            </a:r>
-            <a:endParaRPr lang="fr-FR" sz="1100">
-              <a:ea typeface="Calibri" panose="020F0502020204030204" pitchFamily="34" charset="0"/>
-              <a:cs typeface="Calibri" panose="020F0502020204030204" pitchFamily="34" charset="0"/>
-            </a:endParaRPr>
-          </a:p>
-          <a:p>
-            <a:pPr marL="361950" lvl="1" indent="-95250">
-              <a:buFont typeface="Wingdings" panose="05000000000000000000" pitchFamily="2" charset="2"/>
-              <a:buChar char="§"/>
-            </a:pPr>
-            <a:r>
-              <a:rPr lang="fr-FR" sz="1100">
-                <a:ea typeface="Calibri" panose="020F0502020204030204" pitchFamily="34" charset="0"/>
-                <a:cs typeface="Calibri" panose="020F0502020204030204" pitchFamily="34" charset="0"/>
-              </a:rPr>
-              <a:t>2024-04-19 </a:t>
-            </a:r>
-            <a:r>
-              <a:rPr lang="fr-FR" sz="1100">
-                <a:solidFill>
-                  <a:schemeClr val="accent6">
-                    <a:lumMod val="75000"/>
-                  </a:schemeClr>
-                </a:solidFill>
-                <a:ea typeface="Calibri" panose="020F0502020204030204" pitchFamily="34" charset="0"/>
-                <a:cs typeface="Calibri" panose="020F0502020204030204" pitchFamily="34" charset="0"/>
-              </a:rPr>
-              <a:t>[Empire] </a:t>
-            </a:r>
-            <a:r>
-              <a:rPr lang="fr-FR" sz="1100" err="1">
-                <a:ea typeface="Calibri" panose="020F0502020204030204" pitchFamily="34" charset="0"/>
-                <a:cs typeface="Calibri" panose="020F0502020204030204" pitchFamily="34" charset="0"/>
-              </a:rPr>
-              <a:t>Acclamator</a:t>
-            </a:r>
-            <a:r>
-              <a:rPr lang="fr-FR" sz="1100">
-                <a:ea typeface="Calibri" panose="020F0502020204030204" pitchFamily="34" charset="0"/>
-                <a:cs typeface="Calibri" panose="020F0502020204030204" pitchFamily="34" charset="0"/>
-              </a:rPr>
-              <a:t>-Class </a:t>
-            </a:r>
-            <a:r>
-              <a:rPr lang="fr-FR" sz="1100" err="1">
-                <a:ea typeface="Calibri" panose="020F0502020204030204" pitchFamily="34" charset="0"/>
-                <a:cs typeface="Calibri" panose="020F0502020204030204" pitchFamily="34" charset="0"/>
-              </a:rPr>
-              <a:t>Dropship</a:t>
-            </a:r>
-            <a:endParaRPr lang="fr-FR" sz="1100">
-              <a:ea typeface="Calibri" panose="020F0502020204030204" pitchFamily="34" charset="0"/>
-              <a:cs typeface="Calibri" panose="020F0502020204030204" pitchFamily="34" charset="0"/>
-            </a:endParaRPr>
-          </a:p>
-          <a:p>
-            <a:pPr marL="361950" lvl="1" indent="-95250">
-              <a:buFont typeface="Wingdings" panose="05000000000000000000" pitchFamily="2" charset="2"/>
-              <a:buChar char="§"/>
-            </a:pPr>
-            <a:r>
-              <a:rPr lang="fr-FR" sz="1100">
-                <a:ea typeface="Calibri" panose="020F0502020204030204" pitchFamily="34" charset="0"/>
-                <a:cs typeface="Calibri" panose="020F0502020204030204" pitchFamily="34" charset="0"/>
-              </a:rPr>
-              <a:t>2024-04-19 </a:t>
-            </a:r>
-            <a:r>
-              <a:rPr lang="fr-FR" sz="1100">
-                <a:solidFill>
-                  <a:schemeClr val="accent6">
-                    <a:lumMod val="75000"/>
-                  </a:schemeClr>
-                </a:solidFill>
-                <a:ea typeface="Calibri" panose="020F0502020204030204" pitchFamily="34" charset="0"/>
-                <a:cs typeface="Calibri" panose="020F0502020204030204" pitchFamily="34" charset="0"/>
-              </a:rPr>
-              <a:t>[Empire] </a:t>
-            </a:r>
-            <a:r>
-              <a:rPr lang="fr-FR" sz="1100" err="1">
-                <a:ea typeface="Calibri" panose="020F0502020204030204" pitchFamily="34" charset="0"/>
-                <a:cs typeface="Calibri" panose="020F0502020204030204" pitchFamily="34" charset="0"/>
-              </a:rPr>
-              <a:t>Arquitens</a:t>
-            </a:r>
-            <a:r>
-              <a:rPr lang="fr-FR" sz="1100">
-                <a:ea typeface="Calibri" panose="020F0502020204030204" pitchFamily="34" charset="0"/>
-                <a:cs typeface="Calibri" panose="020F0502020204030204" pitchFamily="34" charset="0"/>
-              </a:rPr>
-              <a:t> Light Cruiser</a:t>
-            </a:r>
-          </a:p>
-          <a:p>
-            <a:pPr marL="361950" lvl="1" indent="-95250">
-              <a:buFont typeface="Wingdings" panose="05000000000000000000" pitchFamily="2" charset="2"/>
-              <a:buChar char="§"/>
-            </a:pPr>
-            <a:r>
-              <a:rPr lang="fr-FR" sz="1100">
-                <a:ea typeface="Calibri" panose="020F0502020204030204" pitchFamily="34" charset="0"/>
-                <a:cs typeface="Calibri" panose="020F0502020204030204" pitchFamily="34" charset="0"/>
-              </a:rPr>
-              <a:t>2024-04-28 </a:t>
-            </a:r>
-            <a:r>
-              <a:rPr lang="fr-FR" sz="1100">
-                <a:solidFill>
-                  <a:srgbClr val="FF0000"/>
-                </a:solidFill>
-                <a:ea typeface="Calibri" panose="020F0502020204030204" pitchFamily="34" charset="0"/>
-                <a:cs typeface="Calibri" panose="020F0502020204030204" pitchFamily="34" charset="0"/>
-              </a:rPr>
-              <a:t>[Alliance] </a:t>
-            </a:r>
-            <a:r>
-              <a:rPr lang="fr-FR" sz="1100">
-                <a:ea typeface="Calibri" panose="020F0502020204030204" pitchFamily="34" charset="0"/>
-                <a:cs typeface="Calibri" panose="020F0502020204030204" pitchFamily="34" charset="0"/>
-              </a:rPr>
-              <a:t>GR-75 Medium Transport</a:t>
-            </a:r>
-          </a:p>
-          <a:p>
-            <a:pPr marL="361950" lvl="1" indent="-95250">
-              <a:buFont typeface="Wingdings" panose="05000000000000000000" pitchFamily="2" charset="2"/>
-              <a:buChar char="§"/>
-            </a:pPr>
-            <a:r>
-              <a:rPr lang="fr-FR" sz="1100">
-                <a:ea typeface="Calibri" panose="020F0502020204030204" pitchFamily="34" charset="0"/>
-                <a:cs typeface="Calibri" panose="020F0502020204030204" pitchFamily="34" charset="0"/>
-              </a:rPr>
-              <a:t>2024-04-28 </a:t>
-            </a:r>
-            <a:r>
-              <a:rPr lang="fr-FR" sz="1100">
-                <a:solidFill>
-                  <a:srgbClr val="FF0000"/>
-                </a:solidFill>
-                <a:ea typeface="Calibri" panose="020F0502020204030204" pitchFamily="34" charset="0"/>
-                <a:cs typeface="Calibri" panose="020F0502020204030204" pitchFamily="34" charset="0"/>
-              </a:rPr>
-              <a:t>[Alliance] </a:t>
-            </a:r>
-            <a:r>
-              <a:rPr lang="fr-FR" sz="1100">
-                <a:ea typeface="Calibri" panose="020F0502020204030204" pitchFamily="34" charset="0"/>
-                <a:cs typeface="Calibri" panose="020F0502020204030204" pitchFamily="34" charset="0"/>
-              </a:rPr>
-              <a:t>MC30C </a:t>
-            </a:r>
-            <a:r>
-              <a:rPr lang="fr-FR" sz="1100" err="1">
-                <a:ea typeface="Calibri" panose="020F0502020204030204" pitchFamily="34" charset="0"/>
-                <a:cs typeface="Calibri" panose="020F0502020204030204" pitchFamily="34" charset="0"/>
-              </a:rPr>
-              <a:t>Frigate</a:t>
             </a:r>
             <a:endParaRPr lang="fr-FR" sz="1100">
               <a:ea typeface="Calibri" panose="020F0502020204030204" pitchFamily="34" charset="0"/>
